--- a/Unit-2/Dane_Holmes_Live_Session_2.pptx
+++ b/Unit-2/Dane_Holmes_Live_Session_2.pptx
@@ -127,14 +127,6 @@
 </p:presentation>
 </file>
 
-<file path=ppt/revisionInfo.xml><?xml version="1.0" encoding="utf-8"?>
-<p1510:revInfo xmlns:a="http://schemas.openxmlformats.org/drawingml/2006/main" xmlns:r="http://schemas.openxmlformats.org/officeDocument/2006/relationships" xmlns:p1510="http://schemas.microsoft.com/office/powerpoint/2015/10/main">
-  <p1510:revLst>
-    <p1510:client id="{E8049F4F-6304-4C61-A0E3-E024BBE759C9}" v="24" dt="2021-11-08T21:16:47.938"/>
-  </p1510:revLst>
-</p1510:revInfo>
-</file>
-
 <file path=ppt/changesInfos/changesInfo1.xml><?xml version="1.0" encoding="utf-8"?>
 <pc:chgInfo xmlns:a="http://schemas.openxmlformats.org/drawingml/2006/main" xmlns:r="http://schemas.openxmlformats.org/officeDocument/2006/relationships" xmlns:ac="http://schemas.microsoft.com/office/drawing/2013/main/command" xmlns:pc="http://schemas.microsoft.com/office/powerpoint/2013/main/command">
   <pc:docChgLst>
@@ -836,6 +828,30 @@
             <ac:picMk id="15" creationId="{BDB64B11-916F-4DA9-99CA-8A82805A9349}"/>
           </ac:picMkLst>
         </pc:picChg>
+      </pc:sldChg>
+    </pc:docChg>
+  </pc:docChgLst>
+  <pc:docChgLst>
+    <pc:chgData name="Dane" userId="9738715a2d075a3d" providerId="LiveId" clId="{30440AA7-A901-4ABF-AAE5-64F97A2C3A50}"/>
+    <pc:docChg chg="modSld">
+      <pc:chgData name="Dane" userId="9738715a2d075a3d" providerId="LiveId" clId="{30440AA7-A901-4ABF-AAE5-64F97A2C3A50}" dt="2021-11-15T17:50:04.343" v="1" actId="20577"/>
+      <pc:docMkLst>
+        <pc:docMk/>
+      </pc:docMkLst>
+      <pc:sldChg chg="modSp mod">
+        <pc:chgData name="Dane" userId="9738715a2d075a3d" providerId="LiveId" clId="{30440AA7-A901-4ABF-AAE5-64F97A2C3A50}" dt="2021-11-15T17:50:04.343" v="1" actId="20577"/>
+        <pc:sldMkLst>
+          <pc:docMk/>
+          <pc:sldMk cId="506613463" sldId="256"/>
+        </pc:sldMkLst>
+        <pc:spChg chg="mod">
+          <ac:chgData name="Dane" userId="9738715a2d075a3d" providerId="LiveId" clId="{30440AA7-A901-4ABF-AAE5-64F97A2C3A50}" dt="2021-11-15T17:50:04.343" v="1" actId="20577"/>
+          <ac:spMkLst>
+            <pc:docMk/>
+            <pc:sldMk cId="506613463" sldId="256"/>
+            <ac:spMk id="3" creationId="{366FBC32-EDCF-4FF0-80E2-838E32A69351}"/>
+          </ac:spMkLst>
+        </pc:spChg>
       </pc:sldChg>
     </pc:docChg>
   </pc:docChgLst>
@@ -1199,7 +1215,7 @@
           <a:p>
             <a:fld id="{6A4B53A7-3209-46A6-9454-F38EAC8F11E7}" type="datetimeFigureOut">
               <a:rPr lang="en-US" smtClean="0"/>
-              <a:t>11/8/2021</a:t>
+              <a:t>11/15/2021</a:t>
             </a:fld>
             <a:endParaRPr lang="en-US"/>
           </a:p>
@@ -1450,7 +1466,7 @@
           <a:p>
             <a:fld id="{6A4B53A7-3209-46A6-9454-F38EAC8F11E7}" type="datetimeFigureOut">
               <a:rPr lang="en-US" smtClean="0"/>
-              <a:t>11/8/2021</a:t>
+              <a:t>11/15/2021</a:t>
             </a:fld>
             <a:endParaRPr lang="en-US"/>
           </a:p>
@@ -1711,7 +1727,7 @@
           <a:p>
             <a:fld id="{6A4B53A7-3209-46A6-9454-F38EAC8F11E7}" type="datetimeFigureOut">
               <a:rPr lang="en-US" smtClean="0"/>
-              <a:t>11/8/2021</a:t>
+              <a:t>11/15/2021</a:t>
             </a:fld>
             <a:endParaRPr lang="en-US"/>
           </a:p>
@@ -1962,7 +1978,7 @@
           <a:p>
             <a:fld id="{6A4B53A7-3209-46A6-9454-F38EAC8F11E7}" type="datetimeFigureOut">
               <a:rPr lang="en-US" smtClean="0"/>
-              <a:t>11/8/2021</a:t>
+              <a:t>11/15/2021</a:t>
             </a:fld>
             <a:endParaRPr lang="en-US"/>
           </a:p>
@@ -2290,7 +2306,7 @@
           <a:p>
             <a:fld id="{6A4B53A7-3209-46A6-9454-F38EAC8F11E7}" type="datetimeFigureOut">
               <a:rPr lang="en-US" smtClean="0"/>
-              <a:t>11/8/2021</a:t>
+              <a:t>11/15/2021</a:t>
             </a:fld>
             <a:endParaRPr lang="en-US"/>
           </a:p>
@@ -2608,7 +2624,7 @@
           <a:p>
             <a:fld id="{6A4B53A7-3209-46A6-9454-F38EAC8F11E7}" type="datetimeFigureOut">
               <a:rPr lang="en-US" smtClean="0"/>
-              <a:t>11/8/2021</a:t>
+              <a:t>11/15/2021</a:t>
             </a:fld>
             <a:endParaRPr lang="en-US"/>
           </a:p>
@@ -3073,7 +3089,7 @@
           <a:p>
             <a:fld id="{6A4B53A7-3209-46A6-9454-F38EAC8F11E7}" type="datetimeFigureOut">
               <a:rPr lang="en-US" smtClean="0"/>
-              <a:t>11/8/2021</a:t>
+              <a:t>11/15/2021</a:t>
             </a:fld>
             <a:endParaRPr lang="en-US"/>
           </a:p>
@@ -3267,7 +3283,7 @@
           <a:p>
             <a:fld id="{6A4B53A7-3209-46A6-9454-F38EAC8F11E7}" type="datetimeFigureOut">
               <a:rPr lang="en-US" smtClean="0"/>
-              <a:t>11/8/2021</a:t>
+              <a:t>11/15/2021</a:t>
             </a:fld>
             <a:endParaRPr lang="en-US"/>
           </a:p>
@@ -3433,7 +3449,7 @@
           <a:p>
             <a:fld id="{6A4B53A7-3209-46A6-9454-F38EAC8F11E7}" type="datetimeFigureOut">
               <a:rPr lang="en-US" smtClean="0"/>
-              <a:t>11/8/2021</a:t>
+              <a:t>11/15/2021</a:t>
             </a:fld>
             <a:endParaRPr lang="en-US"/>
           </a:p>
@@ -3797,7 +3813,7 @@
           <a:p>
             <a:fld id="{6A4B53A7-3209-46A6-9454-F38EAC8F11E7}" type="datetimeFigureOut">
               <a:rPr lang="en-US" smtClean="0"/>
-              <a:t>11/8/2021</a:t>
+              <a:t>11/15/2021</a:t>
             </a:fld>
             <a:endParaRPr lang="en-US"/>
           </a:p>
@@ -4141,7 +4157,7 @@
           <a:p>
             <a:fld id="{6A4B53A7-3209-46A6-9454-F38EAC8F11E7}" type="datetimeFigureOut">
               <a:rPr lang="en-US" smtClean="0"/>
-              <a:t>11/8/2021</a:t>
+              <a:t>11/15/2021</a:t>
             </a:fld>
             <a:endParaRPr lang="en-US"/>
           </a:p>
@@ -4436,7 +4452,7 @@
             <a:fld id="{6A4B53A7-3209-46A6-9454-F38EAC8F11E7}" type="datetimeFigureOut">
               <a:rPr lang="en-US" smtClean="0"/>
               <a:pPr/>
-              <a:t>11/8/2021</a:t>
+              <a:t>11/15/2021</a:t>
             </a:fld>
             <a:endParaRPr lang="en-US" dirty="0"/>
           </a:p>
@@ -5157,7 +5173,7 @@
                   <a:srgbClr val="FFFFFF"/>
                 </a:solidFill>
               </a:rPr>
-              <a:t>Live Session: Unit 2</a:t>
+              <a:t>Live Session: Unit 3</a:t>
             </a:r>
           </a:p>
           <a:p>
